--- a/documents/Secops.pptx
+++ b/documents/Secops.pptx
@@ -121,8 +121,46 @@
 <p1510:revInfo xmlns:a="http://schemas.openxmlformats.org/drawingml/2006/main" xmlns:r="http://schemas.openxmlformats.org/officeDocument/2006/relationships" xmlns:p1510="http://schemas.microsoft.com/office/powerpoint/2015/10/main">
   <p1510:revLst>
     <p1510:client id="{62B35319-D3E3-4EB2-BFEC-DB94AA2C2B9E}" v="115" dt="2023-09-11T20:04:10.946"/>
+    <p1510:client id="{F9E213A6-5E27-D327-058A-A766A12CB4FF}" v="192" dt="2023-09-12T08:20:15.978"/>
   </p1510:revLst>
 </p1510:revInfo>
+</file>
+
+<file path=ppt/changesInfos/changesInfo1.xml><?xml version="1.0" encoding="utf-8"?>
+<pc:chgInfo xmlns:a="http://schemas.openxmlformats.org/drawingml/2006/main" xmlns:r="http://schemas.openxmlformats.org/officeDocument/2006/relationships" xmlns:ac="http://schemas.microsoft.com/office/drawing/2013/main/command" xmlns:pc="http://schemas.microsoft.com/office/powerpoint/2013/main/command">
+  <pc:docChgLst>
+    <pc:chgData name="Савка Андрій" userId="S::andrii.savka.pmi@lnu.edu.ua::4d24a58c-9a74-4859-840b-f6b7ac0a69fb" providerId="AD" clId="Web-{F9E213A6-5E27-D327-058A-A766A12CB4FF}"/>
+    <pc:docChg chg="modSld">
+      <pc:chgData name="Савка Андрій" userId="S::andrii.savka.pmi@lnu.edu.ua::4d24a58c-9a74-4859-840b-f6b7ac0a69fb" providerId="AD" clId="Web-{F9E213A6-5E27-D327-058A-A766A12CB4FF}" dt="2023-09-12T08:20:15.978" v="196" actId="20577"/>
+      <pc:docMkLst>
+        <pc:docMk/>
+      </pc:docMkLst>
+      <pc:sldChg chg="modSp">
+        <pc:chgData name="Савка Андрій" userId="S::andrii.savka.pmi@lnu.edu.ua::4d24a58c-9a74-4859-840b-f6b7ac0a69fb" providerId="AD" clId="Web-{F9E213A6-5E27-D327-058A-A766A12CB4FF}" dt="2023-09-12T08:20:15.978" v="196" actId="20577"/>
+        <pc:sldMkLst>
+          <pc:docMk/>
+          <pc:sldMk cId="1152309786" sldId="256"/>
+        </pc:sldMkLst>
+        <pc:spChg chg="mod">
+          <ac:chgData name="Савка Андрій" userId="S::andrii.savka.pmi@lnu.edu.ua::4d24a58c-9a74-4859-840b-f6b7ac0a69fb" providerId="AD" clId="Web-{F9E213A6-5E27-D327-058A-A766A12CB4FF}" dt="2023-09-12T08:19:32.620" v="187" actId="1076"/>
+          <ac:spMkLst>
+            <pc:docMk/>
+            <pc:sldMk cId="1152309786" sldId="256"/>
+            <ac:spMk id="2" creationId="{84F74905-0C15-698D-9ACB-3CED52FC1D25}"/>
+          </ac:spMkLst>
+        </pc:spChg>
+        <pc:spChg chg="mod">
+          <ac:chgData name="Савка Андрій" userId="S::andrii.savka.pmi@lnu.edu.ua::4d24a58c-9a74-4859-840b-f6b7ac0a69fb" providerId="AD" clId="Web-{F9E213A6-5E27-D327-058A-A766A12CB4FF}" dt="2023-09-12T08:20:15.978" v="196" actId="20577"/>
+          <ac:spMkLst>
+            <pc:docMk/>
+            <pc:sldMk cId="1152309786" sldId="256"/>
+            <ac:spMk id="3" creationId="{9684F0D0-2180-0384-1A3D-D9D4E485799C}"/>
+          </ac:spMkLst>
+        </pc:spChg>
+      </pc:sldChg>
+    </pc:docChg>
+  </pc:docChgLst>
+</pc:chgInfo>
 </file>
 
 <file path=ppt/ink/ink1.xml><?xml version="1.0" encoding="utf-8"?>
@@ -311,7 +349,7 @@
           <a:p>
             <a:fld id="{91F9259A-1FE3-4FF9-8A07-BDD8177164ED}" type="datetime4">
               <a:rPr lang="en-US" smtClean="0"/>
-              <a:t>September 11, 2023</a:t>
+              <a:t>September 12, 2023</a:t>
             </a:fld>
             <a:endParaRPr lang="en-US"/>
           </a:p>
@@ -365,7 +403,7 @@
           <a:p>
             <a:fld id="{9D4AEF59-F28E-467C-9EA3-92D1CFAD475A}" type="slidenum">
               <a:rPr lang="en-US" smtClean="0"/>
-              <a:t>‹#›</a:t>
+              <a:t>‹№›</a:t>
             </a:fld>
             <a:endParaRPr lang="en-US"/>
           </a:p>
@@ -486,7 +524,7 @@
           <a:p>
             <a:fld id="{E5CC3C8F-D4A7-4EAD-92AD-82C91CB8BB85}" type="datetime4">
               <a:rPr lang="en-US" smtClean="0"/>
-              <a:t>September 11, 2023</a:t>
+              <a:t>September 12, 2023</a:t>
             </a:fld>
             <a:endParaRPr lang="en-US"/>
           </a:p>
@@ -540,7 +578,7 @@
           <a:p>
             <a:fld id="{9D4AEF59-F28E-467C-9EA3-92D1CFAD475A}" type="slidenum">
               <a:rPr lang="en-US" smtClean="0"/>
-              <a:t>‹#›</a:t>
+              <a:t>‹№›</a:t>
             </a:fld>
             <a:endParaRPr lang="en-US"/>
           </a:p>
@@ -723,7 +761,7 @@
           <a:p>
             <a:fld id="{BC011D41-E33C-4BC7-8272-37E8417FD097}" type="datetime4">
               <a:rPr lang="en-US" smtClean="0"/>
-              <a:t>September 11, 2023</a:t>
+              <a:t>September 12, 2023</a:t>
             </a:fld>
             <a:endParaRPr lang="en-US"/>
           </a:p>
@@ -777,7 +815,7 @@
           <a:p>
             <a:fld id="{9D4AEF59-F28E-467C-9EA3-92D1CFAD475A}" type="slidenum">
               <a:rPr lang="en-US" smtClean="0"/>
-              <a:t>‹#›</a:t>
+              <a:t>‹№›</a:t>
             </a:fld>
             <a:endParaRPr lang="en-US"/>
           </a:p>
@@ -928,7 +966,7 @@
           <a:p>
             <a:fld id="{5D340FED-6E95-4177-A7EF-CD303B9E611D}" type="datetime4">
               <a:rPr lang="en-US" smtClean="0"/>
-              <a:t>September 11, 2023</a:t>
+              <a:t>September 12, 2023</a:t>
             </a:fld>
             <a:endParaRPr lang="en-US"/>
           </a:p>
@@ -992,7 +1030,7 @@
           <a:p>
             <a:fld id="{9D4AEF59-F28E-467C-9EA3-92D1CFAD475A}" type="slidenum">
               <a:rPr lang="en-US" smtClean="0"/>
-              <a:t>‹#›</a:t>
+              <a:t>‹№›</a:t>
             </a:fld>
             <a:endParaRPr lang="en-US"/>
           </a:p>
@@ -1218,7 +1256,7 @@
           <a:p>
             <a:fld id="{477962CB-39AD-45A9-800F-54DAB53D6021}" type="datetime4">
               <a:rPr lang="en-US" smtClean="0"/>
-              <a:t>September 11, 2023</a:t>
+              <a:t>September 12, 2023</a:t>
             </a:fld>
             <a:endParaRPr lang="en-US"/>
           </a:p>
@@ -1272,7 +1310,7 @@
           <a:p>
             <a:fld id="{9D4AEF59-F28E-467C-9EA3-92D1CFAD475A}" type="slidenum">
               <a:rPr lang="en-US" smtClean="0"/>
-              <a:t>‹#›</a:t>
+              <a:t>‹№›</a:t>
             </a:fld>
             <a:endParaRPr lang="en-US"/>
           </a:p>
@@ -1502,7 +1540,7 @@
           <a:p>
             <a:fld id="{2DEDF93D-55AB-4606-B9D7-742F1FC51983}" type="datetime4">
               <a:rPr lang="en-US" smtClean="0"/>
-              <a:t>September 11, 2023</a:t>
+              <a:t>September 12, 2023</a:t>
             </a:fld>
             <a:endParaRPr lang="en-US" dirty="0"/>
           </a:p>
@@ -1556,7 +1594,7 @@
           <a:p>
             <a:fld id="{9D4AEF59-F28E-467C-9EA3-92D1CFAD475A}" type="slidenum">
               <a:rPr lang="en-US" smtClean="0"/>
-              <a:t>‹#›</a:t>
+              <a:t>‹№›</a:t>
             </a:fld>
             <a:endParaRPr lang="en-US" dirty="0"/>
           </a:p>
@@ -1919,7 +1957,7 @@
           <a:p>
             <a:fld id="{DDF2841D-FB5C-47AB-B2FF-32E855C1EA71}" type="datetime4">
               <a:rPr lang="en-US" smtClean="0"/>
-              <a:t>September 11, 2023</a:t>
+              <a:t>September 12, 2023</a:t>
             </a:fld>
             <a:endParaRPr lang="en-US"/>
           </a:p>
@@ -1973,7 +2011,7 @@
           <a:p>
             <a:fld id="{9D4AEF59-F28E-467C-9EA3-92D1CFAD475A}" type="slidenum">
               <a:rPr lang="en-US" smtClean="0"/>
-              <a:t>‹#›</a:t>
+              <a:t>‹№›</a:t>
             </a:fld>
             <a:endParaRPr lang="en-US"/>
           </a:p>
@@ -2060,7 +2098,7 @@
           <a:p>
             <a:fld id="{118537E9-D174-424D-BEE8-AFC4CA5F9F97}" type="datetime4">
               <a:rPr lang="en-US" smtClean="0"/>
-              <a:t>September 11, 2023</a:t>
+              <a:t>September 12, 2023</a:t>
             </a:fld>
             <a:endParaRPr lang="en-US"/>
           </a:p>
@@ -2114,7 +2152,7 @@
           <a:p>
             <a:fld id="{9D4AEF59-F28E-467C-9EA3-92D1CFAD475A}" type="slidenum">
               <a:rPr lang="en-US" smtClean="0"/>
-              <a:t>‹#›</a:t>
+              <a:t>‹№›</a:t>
             </a:fld>
             <a:endParaRPr lang="en-US"/>
           </a:p>
@@ -2201,7 +2239,7 @@
           <a:p>
             <a:fld id="{1C7A44C0-F7AC-49C2-8289-1E7A86D9FB50}" type="datetime4">
               <a:rPr lang="en-US" smtClean="0"/>
-              <a:t>September 11, 2023</a:t>
+              <a:t>September 12, 2023</a:t>
             </a:fld>
             <a:endParaRPr lang="en-US"/>
           </a:p>
@@ -2255,7 +2293,7 @@
           <a:p>
             <a:fld id="{9D4AEF59-F28E-467C-9EA3-92D1CFAD475A}" type="slidenum">
               <a:rPr lang="en-US" smtClean="0"/>
-              <a:t>‹#›</a:t>
+              <a:t>‹№›</a:t>
             </a:fld>
             <a:endParaRPr lang="en-US"/>
           </a:p>
@@ -2516,7 +2554,7 @@
           <a:p>
             <a:fld id="{73BB84BC-6E78-40D1-8831-40AB1F596614}" type="datetime4">
               <a:rPr lang="en-US" smtClean="0"/>
-              <a:t>September 11, 2023</a:t>
+              <a:t>September 12, 2023</a:t>
             </a:fld>
             <a:endParaRPr lang="en-US"/>
           </a:p>
@@ -2570,7 +2608,7 @@
           <a:p>
             <a:fld id="{9D4AEF59-F28E-467C-9EA3-92D1CFAD475A}" type="slidenum">
               <a:rPr lang="en-US" smtClean="0"/>
-              <a:t>‹#›</a:t>
+              <a:t>‹№›</a:t>
             </a:fld>
             <a:endParaRPr lang="en-US"/>
           </a:p>
@@ -2809,7 +2847,7 @@
           <a:p>
             <a:fld id="{ADFA080F-3961-4D42-BEDE-84A1FED032F1}" type="datetime4">
               <a:rPr lang="en-US" smtClean="0"/>
-              <a:t>September 11, 2023</a:t>
+              <a:t>September 12, 2023</a:t>
             </a:fld>
             <a:endParaRPr lang="en-US"/>
           </a:p>
@@ -2863,7 +2901,7 @@
           <a:p>
             <a:fld id="{9D4AEF59-F28E-467C-9EA3-92D1CFAD475A}" type="slidenum">
               <a:rPr lang="en-US" smtClean="0"/>
-              <a:t>‹#›</a:t>
+              <a:t>‹№›</a:t>
             </a:fld>
             <a:endParaRPr lang="en-US"/>
           </a:p>
@@ -3091,7 +3129,7 @@
             <a:fld id="{A33960BD-7AC1-4217-9611-AAA56D3EE38F}" type="datetime4">
               <a:rPr lang="en-US" smtClean="0"/>
               <a:pPr/>
-              <a:t>September 11, 2023</a:t>
+              <a:t>September 12, 2023</a:t>
             </a:fld>
             <a:endParaRPr lang="en-US" dirty="0">
               <a:latin typeface="+mn-lt"/>
@@ -3190,7 +3228,7 @@
             <a:fld id="{9D4AEF59-F28E-467C-9EA3-92D1CFAD475A}" type="slidenum">
               <a:rPr lang="en-US" smtClean="0"/>
               <a:pPr/>
-              <a:t>‹#›</a:t>
+              <a:t>‹№›</a:t>
             </a:fld>
             <a:endParaRPr lang="en-US">
               <a:latin typeface="+mn-lt"/>
@@ -4865,7 +4903,7 @@
         </p:nvSpPr>
         <p:spPr>
           <a:xfrm>
-            <a:off x="436335" y="170280"/>
+            <a:off x="149348" y="-27642"/>
             <a:ext cx="6548926" cy="2230636"/>
           </a:xfrm>
         </p:spPr>
@@ -4909,13 +4947,13 @@
         </p:nvSpPr>
         <p:spPr>
           <a:xfrm>
-            <a:off x="370346" y="2855795"/>
-            <a:ext cx="7245869" cy="3831925"/>
+            <a:off x="152632" y="2064106"/>
+            <a:ext cx="7532856" cy="4633508"/>
           </a:xfrm>
         </p:spPr>
         <p:txBody>
-          <a:bodyPr>
-            <a:normAutofit/>
+          <a:bodyPr vert="horz" lIns="91440" tIns="45720" rIns="91440" bIns="45720" rtlCol="0" anchor="t">
+            <a:noAutofit/>
           </a:bodyPr>
           <a:lstStyle/>
           <a:p>
@@ -4927,20 +4965,81 @@
               <a:buChar char="•"/>
             </a:pPr>
             <a:r>
-              <a:rPr lang="en-US" sz="1600" b="1" i="0" dirty="0">
+              <a:rPr lang="en-US" sz="1200" b="1" dirty="0">
+                <a:latin typeface="Aptos"/>
+                <a:ea typeface="+mn-lt"/>
+                <a:cs typeface="+mn-lt"/>
+              </a:rPr>
+              <a:t>Real-time Communication</a:t>
+            </a:r>
+            <a:r>
+              <a:rPr lang="en-US" sz="1200" b="1" i="0" dirty="0">
                 <a:effectLst/>
-                <a:latin typeface="Aptos" panose="020B0004020202020204" pitchFamily="34" charset="0"/>
-                <a:cs typeface="Aharoni" panose="02010803020104030203" pitchFamily="2" charset="-79"/>
+                <a:latin typeface="Aptos"/>
+                <a:ea typeface="+mn-lt"/>
+                <a:cs typeface="+mn-lt"/>
               </a:rPr>
-              <a:t>Lack of Personalization</a:t>
-            </a:r>
-            <a:r>
-              <a:rPr lang="en-US" sz="1600" b="0" i="0" dirty="0">
+              <a:t>:</a:t>
+            </a:r>
+            <a:r>
+              <a:rPr lang="en-US" sz="1200" b="0" i="0" dirty="0">
                 <a:effectLst/>
-                <a:latin typeface="Aptos" panose="020B0004020202020204" pitchFamily="34" charset="0"/>
-                <a:cs typeface="Aharoni" panose="02010803020104030203" pitchFamily="2" charset="-79"/>
+                <a:latin typeface="Aptos"/>
+                <a:ea typeface="+mn-lt"/>
+                <a:cs typeface="+mn-lt"/>
               </a:rPr>
-              <a:t>: Many mainstream messaging apps offer limited customization options. The custom messenger aims to solve this by allowing users to personalize their messaging experience.</a:t>
+              <a:t> </a:t>
+            </a:r>
+            <a:r>
+              <a:rPr lang="en-US" sz="1200" dirty="0">
+                <a:latin typeface="Aptos"/>
+                <a:ea typeface="+mn-lt"/>
+                <a:cs typeface="+mn-lt"/>
+              </a:rPr>
+              <a:t>A </a:t>
+            </a:r>
+            <a:r>
+              <a:rPr lang="en-US" sz="1200" b="0" i="0" dirty="0">
+                <a:effectLst/>
+                <a:latin typeface="Aptos"/>
+                <a:ea typeface="+mn-lt"/>
+                <a:cs typeface="+mn-lt"/>
+              </a:rPr>
+              <a:t>messenger </a:t>
+            </a:r>
+            <a:r>
+              <a:rPr lang="en-US" sz="1200" dirty="0">
+                <a:latin typeface="Aptos"/>
+                <a:ea typeface="+mn-lt"/>
+                <a:cs typeface="+mn-lt"/>
+              </a:rPr>
+              <a:t>app allows </a:t>
+            </a:r>
+            <a:r>
+              <a:rPr lang="en-US" sz="1200" b="0" i="0" dirty="0">
+                <a:effectLst/>
+                <a:latin typeface="Aptos"/>
+                <a:ea typeface="+mn-lt"/>
+                <a:cs typeface="+mn-lt"/>
+              </a:rPr>
+              <a:t>users to </a:t>
+            </a:r>
+            <a:r>
+              <a:rPr lang="en-US" sz="1200" dirty="0">
+                <a:latin typeface="Aptos"/>
+                <a:ea typeface="+mn-lt"/>
+                <a:cs typeface="+mn-lt"/>
+              </a:rPr>
+              <a:t>engage in real-time text-based conversations. This can be used for personal communication with friends and family or for professional purposes within a team</a:t>
+            </a:r>
+            <a:r>
+              <a:rPr lang="en-US" sz="1200" b="0" i="0" dirty="0">
+                <a:effectLst/>
+                <a:latin typeface="Aptos"/>
+                <a:ea typeface="+mn-lt"/>
+                <a:cs typeface="+mn-lt"/>
+              </a:rPr>
+              <a:t>.</a:t>
             </a:r>
           </a:p>
           <a:p>
@@ -4952,21 +5051,36 @@
               <a:buChar char="•"/>
             </a:pPr>
             <a:r>
-              <a:rPr lang="en-US" sz="1600" b="1" i="0" dirty="0">
+              <a:rPr lang="en-US" sz="1200" b="1" dirty="0">
+                <a:latin typeface="Aptos"/>
+                <a:ea typeface="Batang"/>
+                <a:cs typeface="Aharoni"/>
+              </a:rPr>
+              <a:t>Easy to start, easy to use</a:t>
+            </a:r>
+            <a:r>
+              <a:rPr lang="en-US" sz="1200" b="0" i="0" dirty="0">
                 <a:effectLst/>
-                <a:latin typeface="Aptos" panose="020B0004020202020204" pitchFamily="34" charset="0"/>
-                <a:cs typeface="Aharoni" panose="02010803020104030203" pitchFamily="2" charset="-79"/>
+                <a:latin typeface="Aptos"/>
+                <a:ea typeface="Batang"/>
+                <a:cs typeface="Aharoni"/>
               </a:rPr>
-              <a:t>Privacy Concerns</a:t>
-            </a:r>
-            <a:r>
-              <a:rPr lang="en-US" sz="1600" b="0" i="0" dirty="0">
-                <a:effectLst/>
-                <a:latin typeface="Aptos" panose="020B0004020202020204" pitchFamily="34" charset="0"/>
-                <a:cs typeface="Aharoni" panose="02010803020104030203" pitchFamily="2" charset="-79"/>
+              <a:t>: </a:t>
+            </a:r>
+            <a:r>
+              <a:rPr lang="en-US" sz="1200" dirty="0">
+                <a:latin typeface="Aptos"/>
+                <a:ea typeface="Batang"/>
+                <a:cs typeface="Aharoni"/>
               </a:rPr>
-              <a:t>: Address privacy concerns by implementing advanced encryption and security features.</a:t>
-            </a:r>
+              <a:t>This messenger is going to be easy to install and has a user-friendly laconic interface.</a:t>
+            </a:r>
+            <a:endParaRPr lang="en-US" sz="1200" b="0" i="0" dirty="0">
+              <a:effectLst/>
+              <a:latin typeface="Aptos"/>
+              <a:ea typeface="Batang"/>
+              <a:cs typeface="Aharoni"/>
+            </a:endParaRPr>
           </a:p>
           <a:p>
             <a:pPr marL="285750" indent="-285750" algn="l">
@@ -4977,24 +5091,82 @@
               <a:buChar char="•"/>
             </a:pPr>
             <a:r>
-              <a:rPr lang="en-US" sz="1600" b="1" i="0" dirty="0">
+              <a:rPr lang="en-US" sz="1200" b="1" dirty="0">
+                <a:latin typeface="Aptos"/>
+                <a:ea typeface="Batang"/>
+                <a:cs typeface="Aharoni"/>
+              </a:rPr>
+              <a:t>Absolutely free</a:t>
+            </a:r>
+            <a:r>
+              <a:rPr lang="en-US" sz="1200" b="0" i="0" dirty="0">
                 <a:effectLst/>
-                <a:latin typeface="Aptos" panose="020B0004020202020204" pitchFamily="34" charset="0"/>
-                <a:cs typeface="Aharoni" panose="02010803020104030203" pitchFamily="2" charset="-79"/>
+                <a:latin typeface="Aptos"/>
+                <a:ea typeface="Batang"/>
+                <a:cs typeface="Aharoni"/>
               </a:rPr>
-              <a:t>User Engagement</a:t>
-            </a:r>
-            <a:r>
-              <a:rPr lang="en-US" sz="1600" b="0" i="0" dirty="0">
-                <a:effectLst/>
-                <a:latin typeface="Aptos" panose="020B0004020202020204" pitchFamily="34" charset="0"/>
-                <a:cs typeface="Aharoni" panose="02010803020104030203" pitchFamily="2" charset="-79"/>
+              <a:t>: </a:t>
+            </a:r>
+            <a:r>
+              <a:rPr lang="en-US" sz="1200" dirty="0">
+                <a:latin typeface="Aptos"/>
+                <a:ea typeface="Batang"/>
+                <a:cs typeface="Aharoni"/>
               </a:rPr>
-              <a:t>: Enhance user engagement through unique and interactive features.</a:t>
-            </a:r>
-            <a:endParaRPr lang="uk-UA" sz="1600" dirty="0">
-              <a:latin typeface="Aptos" panose="020B0004020202020204" pitchFamily="34" charset="0"/>
-              <a:cs typeface="Aharoni" panose="02010803020104030203" pitchFamily="2" charset="-79"/>
+              <a:t>all features will be free to use. </a:t>
+            </a:r>
+          </a:p>
+          <a:p>
+            <a:pPr marL="285750" indent="-285750" algn="l">
+              <a:lnSpc>
+                <a:spcPct val="170000"/>
+              </a:lnSpc>
+              <a:buFont typeface="Arial" panose="020B0604020202020204" pitchFamily="34" charset="0"/>
+              <a:buChar char="•"/>
+            </a:pPr>
+            <a:r>
+              <a:rPr lang="en-US" sz="1200" b="1" dirty="0">
+                <a:latin typeface="Aptos"/>
+                <a:ea typeface="+mn-lt"/>
+                <a:cs typeface="+mn-lt"/>
+              </a:rPr>
+              <a:t>Personalization:</a:t>
+            </a:r>
+            <a:r>
+              <a:rPr lang="en-US" sz="1200" dirty="0">
+                <a:latin typeface="Aptos"/>
+                <a:ea typeface="+mn-lt"/>
+                <a:cs typeface="+mn-lt"/>
+              </a:rPr>
+              <a:t> Users can personalize their messenger experience with features like customizable profiles, status updates, and the ability to choose notification preferences.</a:t>
+            </a:r>
+          </a:p>
+          <a:p>
+            <a:pPr marL="285750" indent="-285750" algn="l">
+              <a:lnSpc>
+                <a:spcPct val="170000"/>
+              </a:lnSpc>
+              <a:buFont typeface="Arial" panose="020B0604020202020204" pitchFamily="34" charset="0"/>
+              <a:buChar char="•"/>
+            </a:pPr>
+            <a:r>
+              <a:rPr lang="en-US" sz="1200" b="1" dirty="0">
+                <a:latin typeface="Aptos"/>
+                <a:ea typeface="+mn-lt"/>
+                <a:cs typeface="+mn-lt"/>
+              </a:rPr>
+              <a:t>Message History and Search:</a:t>
+            </a:r>
+            <a:r>
+              <a:rPr lang="en-US" sz="1200" dirty="0">
+                <a:latin typeface="Aptos"/>
+                <a:ea typeface="+mn-lt"/>
+                <a:cs typeface="+mn-lt"/>
+              </a:rPr>
+              <a:t> Storing chat history and providing a robust search feature allows users to easily retrieve past conversations and find important information.</a:t>
+            </a:r>
+            <a:endParaRPr lang="en-US" sz="1200">
+              <a:latin typeface="Aptos"/>
             </a:endParaRPr>
           </a:p>
         </p:txBody>

--- a/documents/Secops.pptx
+++ b/documents/Secops.pptx
@@ -349,7 +349,7 @@
           <a:p>
             <a:fld id="{91F9259A-1FE3-4FF9-8A07-BDD8177164ED}" type="datetime4">
               <a:rPr lang="en-US" smtClean="0"/>
-              <a:t>September 12, 2023</a:t>
+              <a:t>September 19, 2023</a:t>
             </a:fld>
             <a:endParaRPr lang="en-US"/>
           </a:p>
@@ -403,7 +403,7 @@
           <a:p>
             <a:fld id="{9D4AEF59-F28E-467C-9EA3-92D1CFAD475A}" type="slidenum">
               <a:rPr lang="en-US" smtClean="0"/>
-              <a:t>‹№›</a:t>
+              <a:t>‹#›</a:t>
             </a:fld>
             <a:endParaRPr lang="en-US"/>
           </a:p>
@@ -524,7 +524,7 @@
           <a:p>
             <a:fld id="{E5CC3C8F-D4A7-4EAD-92AD-82C91CB8BB85}" type="datetime4">
               <a:rPr lang="en-US" smtClean="0"/>
-              <a:t>September 12, 2023</a:t>
+              <a:t>September 19, 2023</a:t>
             </a:fld>
             <a:endParaRPr lang="en-US"/>
           </a:p>
@@ -578,7 +578,7 @@
           <a:p>
             <a:fld id="{9D4AEF59-F28E-467C-9EA3-92D1CFAD475A}" type="slidenum">
               <a:rPr lang="en-US" smtClean="0"/>
-              <a:t>‹№›</a:t>
+              <a:t>‹#›</a:t>
             </a:fld>
             <a:endParaRPr lang="en-US"/>
           </a:p>
@@ -761,7 +761,7 @@
           <a:p>
             <a:fld id="{BC011D41-E33C-4BC7-8272-37E8417FD097}" type="datetime4">
               <a:rPr lang="en-US" smtClean="0"/>
-              <a:t>September 12, 2023</a:t>
+              <a:t>September 19, 2023</a:t>
             </a:fld>
             <a:endParaRPr lang="en-US"/>
           </a:p>
@@ -815,7 +815,7 @@
           <a:p>
             <a:fld id="{9D4AEF59-F28E-467C-9EA3-92D1CFAD475A}" type="slidenum">
               <a:rPr lang="en-US" smtClean="0"/>
-              <a:t>‹№›</a:t>
+              <a:t>‹#›</a:t>
             </a:fld>
             <a:endParaRPr lang="en-US"/>
           </a:p>
@@ -966,7 +966,7 @@
           <a:p>
             <a:fld id="{5D340FED-6E95-4177-A7EF-CD303B9E611D}" type="datetime4">
               <a:rPr lang="en-US" smtClean="0"/>
-              <a:t>September 12, 2023</a:t>
+              <a:t>September 19, 2023</a:t>
             </a:fld>
             <a:endParaRPr lang="en-US"/>
           </a:p>
@@ -1030,7 +1030,7 @@
           <a:p>
             <a:fld id="{9D4AEF59-F28E-467C-9EA3-92D1CFAD475A}" type="slidenum">
               <a:rPr lang="en-US" smtClean="0"/>
-              <a:t>‹№›</a:t>
+              <a:t>‹#›</a:t>
             </a:fld>
             <a:endParaRPr lang="en-US"/>
           </a:p>
@@ -1256,7 +1256,7 @@
           <a:p>
             <a:fld id="{477962CB-39AD-45A9-800F-54DAB53D6021}" type="datetime4">
               <a:rPr lang="en-US" smtClean="0"/>
-              <a:t>September 12, 2023</a:t>
+              <a:t>September 19, 2023</a:t>
             </a:fld>
             <a:endParaRPr lang="en-US"/>
           </a:p>
@@ -1310,7 +1310,7 @@
           <a:p>
             <a:fld id="{9D4AEF59-F28E-467C-9EA3-92D1CFAD475A}" type="slidenum">
               <a:rPr lang="en-US" smtClean="0"/>
-              <a:t>‹№›</a:t>
+              <a:t>‹#›</a:t>
             </a:fld>
             <a:endParaRPr lang="en-US"/>
           </a:p>
@@ -1540,7 +1540,7 @@
           <a:p>
             <a:fld id="{2DEDF93D-55AB-4606-B9D7-742F1FC51983}" type="datetime4">
               <a:rPr lang="en-US" smtClean="0"/>
-              <a:t>September 12, 2023</a:t>
+              <a:t>September 19, 2023</a:t>
             </a:fld>
             <a:endParaRPr lang="en-US" dirty="0"/>
           </a:p>
@@ -1594,7 +1594,7 @@
           <a:p>
             <a:fld id="{9D4AEF59-F28E-467C-9EA3-92D1CFAD475A}" type="slidenum">
               <a:rPr lang="en-US" smtClean="0"/>
-              <a:t>‹№›</a:t>
+              <a:t>‹#›</a:t>
             </a:fld>
             <a:endParaRPr lang="en-US" dirty="0"/>
           </a:p>
@@ -1957,7 +1957,7 @@
           <a:p>
             <a:fld id="{DDF2841D-FB5C-47AB-B2FF-32E855C1EA71}" type="datetime4">
               <a:rPr lang="en-US" smtClean="0"/>
-              <a:t>September 12, 2023</a:t>
+              <a:t>September 19, 2023</a:t>
             </a:fld>
             <a:endParaRPr lang="en-US"/>
           </a:p>
@@ -2011,7 +2011,7 @@
           <a:p>
             <a:fld id="{9D4AEF59-F28E-467C-9EA3-92D1CFAD475A}" type="slidenum">
               <a:rPr lang="en-US" smtClean="0"/>
-              <a:t>‹№›</a:t>
+              <a:t>‹#›</a:t>
             </a:fld>
             <a:endParaRPr lang="en-US"/>
           </a:p>
@@ -2098,7 +2098,7 @@
           <a:p>
             <a:fld id="{118537E9-D174-424D-BEE8-AFC4CA5F9F97}" type="datetime4">
               <a:rPr lang="en-US" smtClean="0"/>
-              <a:t>September 12, 2023</a:t>
+              <a:t>September 19, 2023</a:t>
             </a:fld>
             <a:endParaRPr lang="en-US"/>
           </a:p>
@@ -2152,7 +2152,7 @@
           <a:p>
             <a:fld id="{9D4AEF59-F28E-467C-9EA3-92D1CFAD475A}" type="slidenum">
               <a:rPr lang="en-US" smtClean="0"/>
-              <a:t>‹№›</a:t>
+              <a:t>‹#›</a:t>
             </a:fld>
             <a:endParaRPr lang="en-US"/>
           </a:p>
@@ -2239,7 +2239,7 @@
           <a:p>
             <a:fld id="{1C7A44C0-F7AC-49C2-8289-1E7A86D9FB50}" type="datetime4">
               <a:rPr lang="en-US" smtClean="0"/>
-              <a:t>September 12, 2023</a:t>
+              <a:t>September 19, 2023</a:t>
             </a:fld>
             <a:endParaRPr lang="en-US"/>
           </a:p>
@@ -2293,7 +2293,7 @@
           <a:p>
             <a:fld id="{9D4AEF59-F28E-467C-9EA3-92D1CFAD475A}" type="slidenum">
               <a:rPr lang="en-US" smtClean="0"/>
-              <a:t>‹№›</a:t>
+              <a:t>‹#›</a:t>
             </a:fld>
             <a:endParaRPr lang="en-US"/>
           </a:p>
@@ -2554,7 +2554,7 @@
           <a:p>
             <a:fld id="{73BB84BC-6E78-40D1-8831-40AB1F596614}" type="datetime4">
               <a:rPr lang="en-US" smtClean="0"/>
-              <a:t>September 12, 2023</a:t>
+              <a:t>September 19, 2023</a:t>
             </a:fld>
             <a:endParaRPr lang="en-US"/>
           </a:p>
@@ -2608,7 +2608,7 @@
           <a:p>
             <a:fld id="{9D4AEF59-F28E-467C-9EA3-92D1CFAD475A}" type="slidenum">
               <a:rPr lang="en-US" smtClean="0"/>
-              <a:t>‹№›</a:t>
+              <a:t>‹#›</a:t>
             </a:fld>
             <a:endParaRPr lang="en-US"/>
           </a:p>
@@ -2847,7 +2847,7 @@
           <a:p>
             <a:fld id="{ADFA080F-3961-4D42-BEDE-84A1FED032F1}" type="datetime4">
               <a:rPr lang="en-US" smtClean="0"/>
-              <a:t>September 12, 2023</a:t>
+              <a:t>September 19, 2023</a:t>
             </a:fld>
             <a:endParaRPr lang="en-US"/>
           </a:p>
@@ -2901,7 +2901,7 @@
           <a:p>
             <a:fld id="{9D4AEF59-F28E-467C-9EA3-92D1CFAD475A}" type="slidenum">
               <a:rPr lang="en-US" smtClean="0"/>
-              <a:t>‹№›</a:t>
+              <a:t>‹#›</a:t>
             </a:fld>
             <a:endParaRPr lang="en-US"/>
           </a:p>
@@ -3129,7 +3129,7 @@
             <a:fld id="{A33960BD-7AC1-4217-9611-AAA56D3EE38F}" type="datetime4">
               <a:rPr lang="en-US" smtClean="0"/>
               <a:pPr/>
-              <a:t>September 12, 2023</a:t>
+              <a:t>September 19, 2023</a:t>
             </a:fld>
             <a:endParaRPr lang="en-US" dirty="0">
               <a:latin typeface="+mn-lt"/>
@@ -3228,7 +3228,7 @@
             <a:fld id="{9D4AEF59-F28E-467C-9EA3-92D1CFAD475A}" type="slidenum">
               <a:rPr lang="en-US" smtClean="0"/>
               <a:pPr/>
-              <a:t>‹№›</a:t>
+              <a:t>‹#›</a:t>
             </a:fld>
             <a:endParaRPr lang="en-US">
               <a:latin typeface="+mn-lt"/>
@@ -4903,7 +4903,7 @@
         </p:nvSpPr>
         <p:spPr>
           <a:xfrm>
-            <a:off x="149348" y="-27642"/>
+            <a:off x="152632" y="-847774"/>
             <a:ext cx="6548926" cy="2230636"/>
           </a:xfrm>
         </p:spPr>
@@ -4947,7 +4947,7 @@
         </p:nvSpPr>
         <p:spPr>
           <a:xfrm>
-            <a:off x="152632" y="2064106"/>
+            <a:off x="152632" y="1382862"/>
             <a:ext cx="7532856" cy="4633508"/>
           </a:xfrm>
         </p:spPr>
@@ -4965,7 +4965,7 @@
               <a:buChar char="•"/>
             </a:pPr>
             <a:r>
-              <a:rPr lang="en-US" sz="1200" b="1" dirty="0">
+              <a:rPr lang="en-US" sz="1400" b="1" dirty="0">
                 <a:latin typeface="Aptos"/>
                 <a:ea typeface="+mn-lt"/>
                 <a:cs typeface="+mn-lt"/>
@@ -4973,7 +4973,7 @@
               <a:t>Real-time Communication</a:t>
             </a:r>
             <a:r>
-              <a:rPr lang="en-US" sz="1200" b="1" i="0" dirty="0">
+              <a:rPr lang="en-US" sz="1400" b="1" i="0" dirty="0">
                 <a:effectLst/>
                 <a:latin typeface="Aptos"/>
                 <a:ea typeface="+mn-lt"/>
@@ -4982,7 +4982,7 @@
               <a:t>:</a:t>
             </a:r>
             <a:r>
-              <a:rPr lang="en-US" sz="1200" b="0" i="0" dirty="0">
+              <a:rPr lang="en-US" sz="1400" b="0" i="0" dirty="0">
                 <a:effectLst/>
                 <a:latin typeface="Aptos"/>
                 <a:ea typeface="+mn-lt"/>
@@ -4991,7 +4991,7 @@
               <a:t> </a:t>
             </a:r>
             <a:r>
-              <a:rPr lang="en-US" sz="1200" dirty="0">
+              <a:rPr lang="en-US" sz="1400" dirty="0">
                 <a:latin typeface="Aptos"/>
                 <a:ea typeface="+mn-lt"/>
                 <a:cs typeface="+mn-lt"/>
@@ -4999,7 +4999,7 @@
               <a:t>A </a:t>
             </a:r>
             <a:r>
-              <a:rPr lang="en-US" sz="1200" b="0" i="0" dirty="0">
+              <a:rPr lang="en-US" sz="1400" b="0" i="0" dirty="0">
                 <a:effectLst/>
                 <a:latin typeface="Aptos"/>
                 <a:ea typeface="+mn-lt"/>
@@ -5008,7 +5008,7 @@
               <a:t>messenger </a:t>
             </a:r>
             <a:r>
-              <a:rPr lang="en-US" sz="1200" dirty="0">
+              <a:rPr lang="en-US" sz="1400" dirty="0">
                 <a:latin typeface="Aptos"/>
                 <a:ea typeface="+mn-lt"/>
                 <a:cs typeface="+mn-lt"/>
@@ -5016,7 +5016,7 @@
               <a:t>app allows </a:t>
             </a:r>
             <a:r>
-              <a:rPr lang="en-US" sz="1200" b="0" i="0" dirty="0">
+              <a:rPr lang="en-US" sz="1400" b="0" i="0" dirty="0">
                 <a:effectLst/>
                 <a:latin typeface="Aptos"/>
                 <a:ea typeface="+mn-lt"/>
@@ -5025,7 +5025,7 @@
               <a:t>users to </a:t>
             </a:r>
             <a:r>
-              <a:rPr lang="en-US" sz="1200" dirty="0">
+              <a:rPr lang="en-US" sz="1400" dirty="0">
                 <a:latin typeface="Aptos"/>
                 <a:ea typeface="+mn-lt"/>
                 <a:cs typeface="+mn-lt"/>
@@ -5033,7 +5033,7 @@
               <a:t>engage in real-time text-based conversations. This can be used for personal communication with friends and family or for professional purposes within a team</a:t>
             </a:r>
             <a:r>
-              <a:rPr lang="en-US" sz="1200" b="0" i="0" dirty="0">
+              <a:rPr lang="en-US" sz="1400" b="0" i="0" dirty="0">
                 <a:effectLst/>
                 <a:latin typeface="Aptos"/>
                 <a:ea typeface="+mn-lt"/>
@@ -5051,7 +5051,7 @@
               <a:buChar char="•"/>
             </a:pPr>
             <a:r>
-              <a:rPr lang="en-US" sz="1200" b="1" dirty="0">
+              <a:rPr lang="en-US" sz="1400" b="1" dirty="0">
                 <a:latin typeface="Aptos"/>
                 <a:ea typeface="Batang"/>
                 <a:cs typeface="Aharoni"/>
@@ -5059,7 +5059,7 @@
               <a:t>Easy to start, easy to use</a:t>
             </a:r>
             <a:r>
-              <a:rPr lang="en-US" sz="1200" b="0" i="0" dirty="0">
+              <a:rPr lang="en-US" sz="1400" b="0" i="0" dirty="0">
                 <a:effectLst/>
                 <a:latin typeface="Aptos"/>
                 <a:ea typeface="Batang"/>
@@ -5068,14 +5068,14 @@
               <a:t>: </a:t>
             </a:r>
             <a:r>
-              <a:rPr lang="en-US" sz="1200" dirty="0">
+              <a:rPr lang="en-US" sz="1400" dirty="0">
                 <a:latin typeface="Aptos"/>
                 <a:ea typeface="Batang"/>
                 <a:cs typeface="Aharoni"/>
               </a:rPr>
               <a:t>This messenger is going to be easy to install and has a user-friendly laconic interface.</a:t>
             </a:r>
-            <a:endParaRPr lang="en-US" sz="1200" b="0" i="0" dirty="0">
+            <a:endParaRPr lang="en-US" sz="1400" b="0" i="0" dirty="0">
               <a:effectLst/>
               <a:latin typeface="Aptos"/>
               <a:ea typeface="Batang"/>
@@ -5091,7 +5091,7 @@
               <a:buChar char="•"/>
             </a:pPr>
             <a:r>
-              <a:rPr lang="en-US" sz="1200" b="1" dirty="0">
+              <a:rPr lang="en-US" sz="1400" b="1" dirty="0">
                 <a:latin typeface="Aptos"/>
                 <a:ea typeface="Batang"/>
                 <a:cs typeface="Aharoni"/>
@@ -5099,7 +5099,7 @@
               <a:t>Absolutely free</a:t>
             </a:r>
             <a:r>
-              <a:rPr lang="en-US" sz="1200" b="0" i="0" dirty="0">
+              <a:rPr lang="en-US" sz="1400" b="0" i="0" dirty="0">
                 <a:effectLst/>
                 <a:latin typeface="Aptos"/>
                 <a:ea typeface="Batang"/>
@@ -5108,7 +5108,7 @@
               <a:t>: </a:t>
             </a:r>
             <a:r>
-              <a:rPr lang="en-US" sz="1200" dirty="0">
+              <a:rPr lang="en-US" sz="1400" dirty="0">
                 <a:latin typeface="Aptos"/>
                 <a:ea typeface="Batang"/>
                 <a:cs typeface="Aharoni"/>
@@ -5125,7 +5125,7 @@
               <a:buChar char="•"/>
             </a:pPr>
             <a:r>
-              <a:rPr lang="en-US" sz="1200" b="1" dirty="0">
+              <a:rPr lang="en-US" sz="1400" b="1" dirty="0">
                 <a:latin typeface="Aptos"/>
                 <a:ea typeface="+mn-lt"/>
                 <a:cs typeface="+mn-lt"/>
@@ -5133,7 +5133,7 @@
               <a:t>Personalization:</a:t>
             </a:r>
             <a:r>
-              <a:rPr lang="en-US" sz="1200" dirty="0">
+              <a:rPr lang="en-US" sz="1400" dirty="0">
                 <a:latin typeface="Aptos"/>
                 <a:ea typeface="+mn-lt"/>
                 <a:cs typeface="+mn-lt"/>
@@ -5150,7 +5150,7 @@
               <a:buChar char="•"/>
             </a:pPr>
             <a:r>
-              <a:rPr lang="en-US" sz="1200" b="1" dirty="0">
+              <a:rPr lang="en-US" sz="1400" b="1" dirty="0">
                 <a:latin typeface="Aptos"/>
                 <a:ea typeface="+mn-lt"/>
                 <a:cs typeface="+mn-lt"/>
@@ -5158,14 +5158,22 @@
               <a:t>Message History and Search:</a:t>
             </a:r>
             <a:r>
+              <a:rPr lang="en-US" sz="1400" dirty="0">
+                <a:latin typeface="Aptos"/>
+                <a:ea typeface="+mn-lt"/>
+                <a:cs typeface="+mn-lt"/>
+              </a:rPr>
+              <a:t> Storing chat history and providing a robust search feature allows users to easily retrieve past conversations and find important information</a:t>
+            </a:r>
+            <a:r>
               <a:rPr lang="en-US" sz="1200" dirty="0">
                 <a:latin typeface="Aptos"/>
                 <a:ea typeface="+mn-lt"/>
                 <a:cs typeface="+mn-lt"/>
               </a:rPr>
-              <a:t> Storing chat history and providing a robust search feature allows users to easily retrieve past conversations and find important information.</a:t>
-            </a:r>
-            <a:endParaRPr lang="en-US" sz="1200">
+              <a:t>.</a:t>
+            </a:r>
+            <a:endParaRPr lang="en-US" sz="1200" dirty="0">
               <a:latin typeface="Aptos"/>
             </a:endParaRPr>
           </a:p>
